--- a/Aop.pptx
+++ b/Aop.pptx
@@ -456,7 +456,7 @@
             <a:fld id="{5923F103-BC34-4FE4-A40E-EDDEECFDA5D0}" type="datetimeFigureOut">
               <a:rPr lang="en-US" dirty="0"/>
               <a:pPr/>
-              <a:t>7/26/2017</a:t>
+              <a:t>7/28/2017</a:t>
             </a:fld>
             <a:endParaRPr lang="en-US" dirty="0"/>
           </a:p>
@@ -1544,7 +1544,7 @@
           <a:p>
             <a:fld id="{923A1CC3-2375-41D4-9E03-427CAF2A4C1A}" type="datetimeFigureOut">
               <a:rPr lang="en-US" dirty="0"/>
-              <a:t>7/26/2017</a:t>
+              <a:t>7/28/2017</a:t>
             </a:fld>
             <a:endParaRPr lang="en-US" dirty="0"/>
           </a:p>
@@ -2524,7 +2524,7 @@
           <a:p>
             <a:fld id="{AFF16868-8199-4C2C-A5B1-63AEE139F88E}" type="datetimeFigureOut">
               <a:rPr lang="en-US" dirty="0"/>
-              <a:t>7/26/2017</a:t>
+              <a:t>7/28/2017</a:t>
             </a:fld>
             <a:endParaRPr lang="en-US" dirty="0"/>
           </a:p>
@@ -3658,7 +3658,7 @@
           <a:p>
             <a:fld id="{AAD9FF7F-6988-44CC-821B-644E70CD2F73}" type="datetimeFigureOut">
               <a:rPr lang="en-US" dirty="0"/>
-              <a:t>7/26/2017</a:t>
+              <a:t>7/28/2017</a:t>
             </a:fld>
             <a:endParaRPr lang="en-US" dirty="0"/>
           </a:p>
@@ -4691,7 +4691,7 @@
           <a:p>
             <a:fld id="{5C12C299-16B2-4475-990D-751901EACC14}" type="datetimeFigureOut">
               <a:rPr lang="en-US" dirty="0"/>
-              <a:t>7/26/2017</a:t>
+              <a:t>7/28/2017</a:t>
             </a:fld>
             <a:endParaRPr lang="en-US" dirty="0"/>
           </a:p>
@@ -5351,7 +5351,7 @@
           <a:p>
             <a:fld id="{9FE86839-B9D8-4651-8783-F325ECE74E65}" type="datetimeFigureOut">
               <a:rPr lang="en-US" dirty="0"/>
-              <a:t>7/26/2017</a:t>
+              <a:t>7/28/2017</a:t>
             </a:fld>
             <a:endParaRPr lang="en-US" dirty="0"/>
           </a:p>
@@ -6212,7 +6212,7 @@
           <a:p>
             <a:fld id="{FD484F64-32F6-45C5-931F-ADC1662401D0}" type="datetimeFigureOut">
               <a:rPr lang="en-US" dirty="0"/>
-              <a:t>7/26/2017</a:t>
+              <a:t>7/28/2017</a:t>
             </a:fld>
             <a:endParaRPr lang="en-US" dirty="0"/>
           </a:p>
@@ -6402,7 +6402,7 @@
           <a:p>
             <a:fld id="{53086D93-FCAC-47E0-A2EE-787E62CA814C}" type="datetimeFigureOut">
               <a:rPr lang="en-US" dirty="0"/>
-              <a:t>7/26/2017</a:t>
+              <a:t>7/28/2017</a:t>
             </a:fld>
             <a:endParaRPr lang="en-US" dirty="0"/>
           </a:p>
@@ -7374,7 +7374,7 @@
           <a:p>
             <a:fld id="{CDA879A6-0FD0-4734-A311-86BFCA472E6E}" type="datetimeFigureOut">
               <a:rPr lang="en-US" dirty="0"/>
-              <a:t>7/26/2017</a:t>
+              <a:t>7/28/2017</a:t>
             </a:fld>
             <a:endParaRPr lang="en-US" dirty="0"/>
           </a:p>
@@ -7585,7 +7585,7 @@
           <a:p>
             <a:fld id="{19C9CA7B-DFD4-44B5-8C60-D14B8CD1FB59}" type="datetimeFigureOut">
               <a:rPr lang="en-US" dirty="0"/>
-              <a:t>7/26/2017</a:t>
+              <a:t>7/28/2017</a:t>
             </a:fld>
             <a:endParaRPr lang="en-US" dirty="0"/>
           </a:p>
@@ -8619,7 +8619,7 @@
           <a:p>
             <a:fld id="{F34E6425-0181-43F2-84FC-787E803FD2F8}" type="datetimeFigureOut">
               <a:rPr lang="en-US" dirty="0"/>
-              <a:t>7/26/2017</a:t>
+              <a:t>7/28/2017</a:t>
             </a:fld>
             <a:endParaRPr lang="en-US" dirty="0"/>
           </a:p>
@@ -8891,7 +8891,7 @@
           <a:p>
             <a:fld id="{3BDB8791-F1B0-41E7-B7FD-A781E65C4266}" type="datetimeFigureOut">
               <a:rPr lang="en-US" dirty="0"/>
-              <a:t>7/26/2017</a:t>
+              <a:t>7/28/2017</a:t>
             </a:fld>
             <a:endParaRPr lang="en-US" dirty="0"/>
           </a:p>
@@ -9301,7 +9301,7 @@
           <a:p>
             <a:fld id="{5FDD63B2-E120-4ED8-B27B-C685F510A5FE}" type="datetimeFigureOut">
               <a:rPr lang="en-US" dirty="0"/>
-              <a:t>7/26/2017</a:t>
+              <a:t>7/28/2017</a:t>
             </a:fld>
             <a:endParaRPr lang="en-US" dirty="0"/>
           </a:p>
@@ -9428,7 +9428,7 @@
           <a:p>
             <a:fld id="{7AA18ACC-A947-437B-A130-35BD54FDF1E9}" type="datetimeFigureOut">
               <a:rPr lang="en-US" dirty="0"/>
-              <a:t>7/26/2017</a:t>
+              <a:t>7/28/2017</a:t>
             </a:fld>
             <a:endParaRPr lang="en-US" dirty="0"/>
           </a:p>
@@ -9523,7 +9523,7 @@
           <a:p>
             <a:fld id="{7C8D7E02-BCB8-4D50-A234-369438C08659}" type="datetimeFigureOut">
               <a:rPr lang="en-US" dirty="0"/>
-              <a:t>7/26/2017</a:t>
+              <a:t>7/28/2017</a:t>
             </a:fld>
             <a:endParaRPr lang="en-US" dirty="0"/>
           </a:p>
@@ -10604,7 +10604,7 @@
           <a:p>
             <a:fld id="{76E86A4C-8E40-4F87-A4F0-01A0687C5742}" type="datetimeFigureOut">
               <a:rPr lang="en-US" dirty="0"/>
-              <a:t>7/26/2017</a:t>
+              <a:t>7/28/2017</a:t>
             </a:fld>
             <a:endParaRPr lang="en-US" dirty="0"/>
           </a:p>
@@ -11712,7 +11712,7 @@
           <a:p>
             <a:fld id="{35E72C73-2D91-4E12-BA25-F0AA0C03599B}" type="datetimeFigureOut">
               <a:rPr lang="en-US" dirty="0"/>
-              <a:t>7/26/2017</a:t>
+              <a:t>7/28/2017</a:t>
             </a:fld>
             <a:endParaRPr lang="en-US" dirty="0"/>
           </a:p>
@@ -12709,7 +12709,7 @@
           <a:p>
             <a:fld id="{2BE451C3-0FF4-47C4-B829-773ADF60F88C}" type="datetimeFigureOut">
               <a:rPr lang="en-US" dirty="0"/>
-              <a:t>7/26/2017</a:t>
+              <a:t>7/28/2017</a:t>
             </a:fld>
             <a:endParaRPr lang="en-US" dirty="0"/>
           </a:p>
@@ -13976,7 +13976,11 @@
           <a:p>
             <a:r>
               <a:rPr lang="tr-TR" dirty="0" smtClean="0"/>
-              <a:t>Cross-Cutting Conserns</a:t>
+              <a:t>Cross-Cutting </a:t>
+            </a:r>
+            <a:r>
+              <a:rPr lang="tr-TR" dirty="0" smtClean="0"/>
+              <a:t>Concerns</a:t>
             </a:r>
             <a:endParaRPr lang="tr-TR" dirty="0"/>
           </a:p>
@@ -14789,8 +14793,8 @@
         </p:nvSpPr>
         <p:spPr>
           <a:xfrm>
-            <a:off x="7057505" y="5840499"/>
-            <a:ext cx="2768137" cy="362296"/>
+            <a:off x="7015943" y="5840499"/>
+            <a:ext cx="2809700" cy="362296"/>
           </a:xfrm>
           <a:prstGeom prst="rect">
             <a:avLst/>
@@ -14831,7 +14835,15 @@
                   <a:srgbClr val="B31166"/>
                 </a:solidFill>
               </a:rPr>
-              <a:t>Cross-Cutting Conserns</a:t>
+              <a:t>Cross-Cutting </a:t>
+            </a:r>
+            <a:r>
+              <a:rPr lang="tr-TR" dirty="0" smtClean="0">
+                <a:solidFill>
+                  <a:srgbClr val="B31166"/>
+                </a:solidFill>
+              </a:rPr>
+              <a:t>Concerns</a:t>
             </a:r>
             <a:endParaRPr lang="tr-TR" dirty="0">
               <a:solidFill>
@@ -14879,7 +14891,15 @@
             <a:pPr algn="ctr"/>
             <a:r>
               <a:rPr lang="tr-TR" dirty="0" smtClean="0"/>
-              <a:t>Menu Service</a:t>
+              <a:t>Category</a:t>
+            </a:r>
+            <a:r>
+              <a:rPr lang="tr-TR" dirty="0" smtClean="0"/>
+              <a:t> </a:t>
+            </a:r>
+            <a:r>
+              <a:rPr lang="tr-TR" dirty="0" smtClean="0"/>
+              <a:t>Service</a:t>
             </a:r>
           </a:p>
         </p:txBody>
@@ -14922,7 +14942,15 @@
             <a:pPr algn="ctr"/>
             <a:r>
               <a:rPr lang="tr-TR" dirty="0" smtClean="0"/>
-              <a:t>Notification Service</a:t>
+              <a:t>Customer</a:t>
+            </a:r>
+            <a:r>
+              <a:rPr lang="tr-TR" dirty="0" smtClean="0"/>
+              <a:t> </a:t>
+            </a:r>
+            <a:r>
+              <a:rPr lang="tr-TR" dirty="0" smtClean="0"/>
+              <a:t>Service</a:t>
             </a:r>
           </a:p>
         </p:txBody>
@@ -15259,7 +15287,25 @@
                 </a:solidFill>
                 <a:latin typeface="Consolas" panose="020B0609020204030204" pitchFamily="49" charset="0"/>
               </a:rPr>
-              <a:t> userRepositoy;</a:t>
+              <a:t> </a:t>
+            </a:r>
+            <a:r>
+              <a:rPr lang="tr-TR" sz="900" dirty="0" smtClean="0">
+                <a:solidFill>
+                  <a:srgbClr val="000000"/>
+                </a:solidFill>
+                <a:latin typeface="Consolas" panose="020B0609020204030204" pitchFamily="49" charset="0"/>
+              </a:rPr>
+              <a:t>userRepository</a:t>
+            </a:r>
+            <a:r>
+              <a:rPr lang="tr-TR" sz="900" dirty="0">
+                <a:solidFill>
+                  <a:srgbClr val="000000"/>
+                </a:solidFill>
+                <a:latin typeface="Consolas" panose="020B0609020204030204" pitchFamily="49" charset="0"/>
+              </a:rPr>
+              <a:t>;</a:t>
             </a:r>
           </a:p>
           <a:p>
@@ -15379,7 +15425,25 @@
                 </a:solidFill>
                 <a:latin typeface="Consolas" panose="020B0609020204030204" pitchFamily="49" charset="0"/>
               </a:rPr>
-              <a:t> userRepositoy, </a:t>
+              <a:t> </a:t>
+            </a:r>
+            <a:r>
+              <a:rPr lang="tr-TR" sz="900" dirty="0" smtClean="0">
+                <a:solidFill>
+                  <a:srgbClr val="000000"/>
+                </a:solidFill>
+                <a:latin typeface="Consolas" panose="020B0609020204030204" pitchFamily="49" charset="0"/>
+              </a:rPr>
+              <a:t>userRepository</a:t>
+            </a:r>
+            <a:r>
+              <a:rPr lang="tr-TR" sz="900" dirty="0">
+                <a:solidFill>
+                  <a:srgbClr val="000000"/>
+                </a:solidFill>
+                <a:latin typeface="Consolas" panose="020B0609020204030204" pitchFamily="49" charset="0"/>
+              </a:rPr>
+              <a:t>, </a:t>
             </a:r>
             <a:r>
               <a:rPr lang="tr-TR" sz="900" dirty="0">
@@ -15411,7 +15475,7 @@
               <a:t>            </a:t>
             </a:r>
             <a:r>
-              <a:rPr lang="tr-TR" sz="900" dirty="0">
+              <a:rPr lang="tr-TR" sz="900" dirty="0" smtClean="0">
                 <a:solidFill>
                   <a:srgbClr val="0000FF"/>
                 </a:solidFill>
@@ -15420,13 +15484,40 @@
               <a:t>this</a:t>
             </a:r>
             <a:r>
-              <a:rPr lang="tr-TR" sz="900" dirty="0">
-                <a:solidFill>
-                  <a:srgbClr val="000000"/>
-                </a:solidFill>
-                <a:latin typeface="Consolas" panose="020B0609020204030204" pitchFamily="49" charset="0"/>
-              </a:rPr>
-              <a:t>.userRepositoy = userRepositoy;</a:t>
+              <a:rPr lang="tr-TR" sz="900" dirty="0" smtClean="0">
+                <a:solidFill>
+                  <a:srgbClr val="000000"/>
+                </a:solidFill>
+                <a:latin typeface="Consolas" panose="020B0609020204030204" pitchFamily="49" charset="0"/>
+              </a:rPr>
+              <a:t>.userRepository </a:t>
+            </a:r>
+            <a:r>
+              <a:rPr lang="tr-TR" sz="900" dirty="0">
+                <a:solidFill>
+                  <a:srgbClr val="000000"/>
+                </a:solidFill>
+                <a:latin typeface="Consolas" panose="020B0609020204030204" pitchFamily="49" charset="0"/>
+              </a:rPr>
+              <a:t>= </a:t>
+            </a:r>
+            <a:r>
+              <a:rPr lang="tr-TR" sz="900" dirty="0" smtClean="0">
+                <a:solidFill>
+                  <a:srgbClr val="000000"/>
+                </a:solidFill>
+                <a:latin typeface="Consolas" panose="020B0609020204030204" pitchFamily="49" charset="0"/>
+              </a:rPr>
+              <a:t>userRepository</a:t>
+            </a:r>
+            <a:r>
+              <a:rPr lang="tr-TR" sz="900" dirty="0">
+                <a:solidFill>
+                  <a:srgbClr val="000000"/>
+                </a:solidFill>
+                <a:latin typeface="Consolas" panose="020B0609020204030204" pitchFamily="49" charset="0"/>
+              </a:rPr>
+              <a:t>;</a:t>
             </a:r>
           </a:p>
           <a:p>
@@ -16283,7 +16374,25 @@
                 </a:solidFill>
                 <a:latin typeface="Consolas" panose="020B0609020204030204" pitchFamily="49" charset="0"/>
               </a:rPr>
-              <a:t>                userRepositoy.Add(userEntity);</a:t>
+              <a:t>                </a:t>
+            </a:r>
+            <a:r>
+              <a:rPr lang="tr-TR" sz="900" dirty="0" smtClean="0">
+                <a:solidFill>
+                  <a:srgbClr val="000000"/>
+                </a:solidFill>
+                <a:latin typeface="Consolas" panose="020B0609020204030204" pitchFamily="49" charset="0"/>
+              </a:rPr>
+              <a:t>userRepository.Add(userEntity</a:t>
+            </a:r>
+            <a:r>
+              <a:rPr lang="tr-TR" sz="900" dirty="0">
+                <a:solidFill>
+                  <a:srgbClr val="000000"/>
+                </a:solidFill>
+                <a:latin typeface="Consolas" panose="020B0609020204030204" pitchFamily="49" charset="0"/>
+              </a:rPr>
+              <a:t>);</a:t>
             </a:r>
           </a:p>
           <a:p>
@@ -16774,7 +16883,25 @@
                 </a:solidFill>
                 <a:latin typeface="Consolas" panose="020B0609020204030204" pitchFamily="49" charset="0"/>
               </a:rPr>
-              <a:t> userRepositoy;</a:t>
+              <a:t> </a:t>
+            </a:r>
+            <a:r>
+              <a:rPr lang="tr-TR" sz="900" dirty="0" smtClean="0">
+                <a:solidFill>
+                  <a:srgbClr val="000000"/>
+                </a:solidFill>
+                <a:latin typeface="Consolas" panose="020B0609020204030204" pitchFamily="49" charset="0"/>
+              </a:rPr>
+              <a:t>userRepository</a:t>
+            </a:r>
+            <a:r>
+              <a:rPr lang="tr-TR" sz="900" dirty="0">
+                <a:solidFill>
+                  <a:srgbClr val="000000"/>
+                </a:solidFill>
+                <a:latin typeface="Consolas" panose="020B0609020204030204" pitchFamily="49" charset="0"/>
+              </a:rPr>
+              <a:t>;</a:t>
             </a:r>
           </a:p>
           <a:p>
@@ -16894,7 +17021,25 @@
                 </a:solidFill>
                 <a:latin typeface="Consolas" panose="020B0609020204030204" pitchFamily="49" charset="0"/>
               </a:rPr>
-              <a:t> userRepositoy, </a:t>
+              <a:t> </a:t>
+            </a:r>
+            <a:r>
+              <a:rPr lang="tr-TR" sz="900" dirty="0" smtClean="0">
+                <a:solidFill>
+                  <a:srgbClr val="000000"/>
+                </a:solidFill>
+                <a:latin typeface="Consolas" panose="020B0609020204030204" pitchFamily="49" charset="0"/>
+              </a:rPr>
+              <a:t>userRepository</a:t>
+            </a:r>
+            <a:r>
+              <a:rPr lang="tr-TR" sz="900" dirty="0">
+                <a:solidFill>
+                  <a:srgbClr val="000000"/>
+                </a:solidFill>
+                <a:latin typeface="Consolas" panose="020B0609020204030204" pitchFamily="49" charset="0"/>
+              </a:rPr>
+              <a:t>, </a:t>
             </a:r>
             <a:r>
               <a:rPr lang="tr-TR" sz="900" dirty="0">
@@ -16926,7 +17071,7 @@
               <a:t>            </a:t>
             </a:r>
             <a:r>
-              <a:rPr lang="tr-TR" sz="900" dirty="0">
+              <a:rPr lang="tr-TR" sz="900" dirty="0" smtClean="0">
                 <a:solidFill>
                   <a:srgbClr val="0000FF"/>
                 </a:solidFill>
@@ -16935,13 +17080,40 @@
               <a:t>this</a:t>
             </a:r>
             <a:r>
-              <a:rPr lang="tr-TR" sz="900" dirty="0">
-                <a:solidFill>
-                  <a:srgbClr val="000000"/>
-                </a:solidFill>
-                <a:latin typeface="Consolas" panose="020B0609020204030204" pitchFamily="49" charset="0"/>
-              </a:rPr>
-              <a:t>.userRepositoy = userRepositoy;</a:t>
+              <a:rPr lang="tr-TR" sz="900" dirty="0" smtClean="0">
+                <a:solidFill>
+                  <a:srgbClr val="000000"/>
+                </a:solidFill>
+                <a:latin typeface="Consolas" panose="020B0609020204030204" pitchFamily="49" charset="0"/>
+              </a:rPr>
+              <a:t>.userRepository </a:t>
+            </a:r>
+            <a:r>
+              <a:rPr lang="tr-TR" sz="900" dirty="0">
+                <a:solidFill>
+                  <a:srgbClr val="000000"/>
+                </a:solidFill>
+                <a:latin typeface="Consolas" panose="020B0609020204030204" pitchFamily="49" charset="0"/>
+              </a:rPr>
+              <a:t>= </a:t>
+            </a:r>
+            <a:r>
+              <a:rPr lang="tr-TR" sz="900" dirty="0" smtClean="0">
+                <a:solidFill>
+                  <a:srgbClr val="000000"/>
+                </a:solidFill>
+                <a:latin typeface="Consolas" panose="020B0609020204030204" pitchFamily="49" charset="0"/>
+              </a:rPr>
+              <a:t>userRepository</a:t>
+            </a:r>
+            <a:r>
+              <a:rPr lang="tr-TR" sz="900" dirty="0">
+                <a:solidFill>
+                  <a:srgbClr val="000000"/>
+                </a:solidFill>
+                <a:latin typeface="Consolas" panose="020B0609020204030204" pitchFamily="49" charset="0"/>
+              </a:rPr>
+              <a:t>;</a:t>
             </a:r>
           </a:p>
           <a:p>
@@ -17229,7 +17401,25 @@
                 </a:solidFill>
                 <a:latin typeface="Consolas" panose="020B0609020204030204" pitchFamily="49" charset="0"/>
               </a:rPr>
-              <a:t>                userRepositoy.Add(userEntity);</a:t>
+              <a:t>                </a:t>
+            </a:r>
+            <a:r>
+              <a:rPr lang="tr-TR" sz="900" dirty="0" smtClean="0">
+                <a:solidFill>
+                  <a:srgbClr val="000000"/>
+                </a:solidFill>
+                <a:latin typeface="Consolas" panose="020B0609020204030204" pitchFamily="49" charset="0"/>
+              </a:rPr>
+              <a:t>userRepository.Add(userEntity</a:t>
+            </a:r>
+            <a:r>
+              <a:rPr lang="tr-TR" sz="900" dirty="0">
+                <a:solidFill>
+                  <a:srgbClr val="000000"/>
+                </a:solidFill>
+                <a:latin typeface="Consolas" panose="020B0609020204030204" pitchFamily="49" charset="0"/>
+              </a:rPr>
+              <a:t>);</a:t>
             </a:r>
           </a:p>
           <a:p>
@@ -17534,7 +17724,7 @@
         <p:spPr>
           <a:xfrm>
             <a:off x="5577841" y="1288472"/>
-            <a:ext cx="5192447" cy="4555093"/>
+            <a:ext cx="5262979" cy="4555093"/>
           </a:xfrm>
           <a:prstGeom prst="rect">
             <a:avLst/>
@@ -17699,7 +17889,25 @@
                 </a:solidFill>
                 <a:latin typeface="Consolas" panose="020B0609020204030204" pitchFamily="49" charset="0"/>
               </a:rPr>
-              <a:t> userRepositoy;</a:t>
+              <a:t> </a:t>
+            </a:r>
+            <a:r>
+              <a:rPr lang="tr-TR" sz="1000" dirty="0" smtClean="0">
+                <a:solidFill>
+                  <a:srgbClr val="000000"/>
+                </a:solidFill>
+                <a:latin typeface="Consolas" panose="020B0609020204030204" pitchFamily="49" charset="0"/>
+              </a:rPr>
+              <a:t>userRepository</a:t>
+            </a:r>
+            <a:r>
+              <a:rPr lang="tr-TR" sz="1000" dirty="0">
+                <a:solidFill>
+                  <a:srgbClr val="000000"/>
+                </a:solidFill>
+                <a:latin typeface="Consolas" panose="020B0609020204030204" pitchFamily="49" charset="0"/>
+              </a:rPr>
+              <a:t>;</a:t>
             </a:r>
           </a:p>
           <a:p>
@@ -17819,7 +18027,7 @@
                 </a:solidFill>
                 <a:latin typeface="Consolas" panose="020B0609020204030204" pitchFamily="49" charset="0"/>
               </a:rPr>
-              <a:t> userRepositoy</a:t>
+              <a:t> </a:t>
             </a:r>
             <a:r>
               <a:rPr lang="tr-TR" sz="1000" dirty="0" smtClean="0">
@@ -17828,6 +18036,15 @@
                 </a:solidFill>
                 <a:latin typeface="Consolas" panose="020B0609020204030204" pitchFamily="49" charset="0"/>
               </a:rPr>
+              <a:t>userRepository</a:t>
+            </a:r>
+            <a:r>
+              <a:rPr lang="tr-TR" sz="1000" dirty="0" smtClean="0">
+                <a:solidFill>
+                  <a:srgbClr val="000000"/>
+                </a:solidFill>
+                <a:latin typeface="Consolas" panose="020B0609020204030204" pitchFamily="49" charset="0"/>
+              </a:rPr>
               <a:t>,</a:t>
             </a:r>
           </a:p>
@@ -17891,7 +18108,7 @@
               <a:t>            </a:t>
             </a:r>
             <a:r>
-              <a:rPr lang="tr-TR" sz="1000" dirty="0">
+              <a:rPr lang="tr-TR" sz="1000" dirty="0" smtClean="0">
                 <a:solidFill>
                   <a:srgbClr val="0000FF"/>
                 </a:solidFill>
@@ -17900,13 +18117,40 @@
               <a:t>this</a:t>
             </a:r>
             <a:r>
-              <a:rPr lang="tr-TR" sz="1000" dirty="0">
-                <a:solidFill>
-                  <a:srgbClr val="000000"/>
-                </a:solidFill>
-                <a:latin typeface="Consolas" panose="020B0609020204030204" pitchFamily="49" charset="0"/>
-              </a:rPr>
-              <a:t>.userRepositoy = userRepositoy;</a:t>
+              <a:rPr lang="tr-TR" sz="1000" dirty="0" smtClean="0">
+                <a:solidFill>
+                  <a:srgbClr val="000000"/>
+                </a:solidFill>
+                <a:latin typeface="Consolas" panose="020B0609020204030204" pitchFamily="49" charset="0"/>
+              </a:rPr>
+              <a:t>.userRepository </a:t>
+            </a:r>
+            <a:r>
+              <a:rPr lang="tr-TR" sz="1000" dirty="0">
+                <a:solidFill>
+                  <a:srgbClr val="000000"/>
+                </a:solidFill>
+                <a:latin typeface="Consolas" panose="020B0609020204030204" pitchFamily="49" charset="0"/>
+              </a:rPr>
+              <a:t>= </a:t>
+            </a:r>
+            <a:r>
+              <a:rPr lang="tr-TR" sz="1000" dirty="0" smtClean="0">
+                <a:solidFill>
+                  <a:srgbClr val="000000"/>
+                </a:solidFill>
+                <a:latin typeface="Consolas" panose="020B0609020204030204" pitchFamily="49" charset="0"/>
+              </a:rPr>
+              <a:t>userRepository</a:t>
+            </a:r>
+            <a:r>
+              <a:rPr lang="tr-TR" sz="1000" dirty="0">
+                <a:solidFill>
+                  <a:srgbClr val="000000"/>
+                </a:solidFill>
+                <a:latin typeface="Consolas" panose="020B0609020204030204" pitchFamily="49" charset="0"/>
+              </a:rPr>
+              <a:t>;</a:t>
             </a:r>
           </a:p>
           <a:p>
@@ -18462,7 +18706,25 @@
                 </a:solidFill>
                 <a:latin typeface="Consolas" panose="020B0609020204030204" pitchFamily="49" charset="0"/>
               </a:rPr>
-              <a:t> tmpUser = userRepositoy.Get(user.Email);</a:t>
+              <a:t> tmpUser = </a:t>
+            </a:r>
+            <a:r>
+              <a:rPr lang="tr-TR" sz="1000" dirty="0" smtClean="0">
+                <a:solidFill>
+                  <a:srgbClr val="000000"/>
+                </a:solidFill>
+                <a:latin typeface="Consolas" panose="020B0609020204030204" pitchFamily="49" charset="0"/>
+              </a:rPr>
+              <a:t>userRepository.Get(user.Email</a:t>
+            </a:r>
+            <a:r>
+              <a:rPr lang="tr-TR" sz="1000" dirty="0">
+                <a:solidFill>
+                  <a:srgbClr val="000000"/>
+                </a:solidFill>
+                <a:latin typeface="Consolas" panose="020B0609020204030204" pitchFamily="49" charset="0"/>
+              </a:rPr>
+              <a:t>);</a:t>
             </a:r>
           </a:p>
           <a:p>
@@ -18843,7 +19105,25 @@
                 </a:solidFill>
                 <a:latin typeface="Consolas" panose="020B0609020204030204" pitchFamily="49" charset="0"/>
               </a:rPr>
-              <a:t> userRepositoy;</a:t>
+              <a:t> </a:t>
+            </a:r>
+            <a:r>
+              <a:rPr lang="tr-TR" sz="1000" dirty="0" smtClean="0">
+                <a:solidFill>
+                  <a:srgbClr val="000000"/>
+                </a:solidFill>
+                <a:latin typeface="Consolas" panose="020B0609020204030204" pitchFamily="49" charset="0"/>
+              </a:rPr>
+              <a:t>userRepository</a:t>
+            </a:r>
+            <a:r>
+              <a:rPr lang="tr-TR" sz="1000" dirty="0">
+                <a:solidFill>
+                  <a:srgbClr val="000000"/>
+                </a:solidFill>
+                <a:latin typeface="Consolas" panose="020B0609020204030204" pitchFamily="49" charset="0"/>
+              </a:rPr>
+              <a:t>;</a:t>
             </a:r>
           </a:p>
           <a:p>
@@ -18898,7 +19178,25 @@
                 </a:solidFill>
                 <a:latin typeface="Consolas" panose="020B0609020204030204" pitchFamily="49" charset="0"/>
               </a:rPr>
-              <a:t> userRepositoy) {</a:t>
+              <a:t> </a:t>
+            </a:r>
+            <a:r>
+              <a:rPr lang="tr-TR" sz="1000" dirty="0" smtClean="0">
+                <a:solidFill>
+                  <a:srgbClr val="000000"/>
+                </a:solidFill>
+                <a:latin typeface="Consolas" panose="020B0609020204030204" pitchFamily="49" charset="0"/>
+              </a:rPr>
+              <a:t>userRepository</a:t>
+            </a:r>
+            <a:r>
+              <a:rPr lang="tr-TR" sz="1000" dirty="0">
+                <a:solidFill>
+                  <a:srgbClr val="000000"/>
+                </a:solidFill>
+                <a:latin typeface="Consolas" panose="020B0609020204030204" pitchFamily="49" charset="0"/>
+              </a:rPr>
+              <a:t>) {</a:t>
             </a:r>
           </a:p>
           <a:p>
@@ -18912,7 +19210,7 @@
               <a:t>            </a:t>
             </a:r>
             <a:r>
-              <a:rPr lang="tr-TR" sz="1000" dirty="0">
+              <a:rPr lang="tr-TR" sz="1000" dirty="0" smtClean="0">
                 <a:solidFill>
                   <a:srgbClr val="0000FF"/>
                 </a:solidFill>
@@ -18921,13 +19219,40 @@
               <a:t>this</a:t>
             </a:r>
             <a:r>
-              <a:rPr lang="tr-TR" sz="1000" dirty="0">
-                <a:solidFill>
-                  <a:srgbClr val="000000"/>
-                </a:solidFill>
-                <a:latin typeface="Consolas" panose="020B0609020204030204" pitchFamily="49" charset="0"/>
-              </a:rPr>
-              <a:t>.userRepositoy = userRepositoy;</a:t>
+              <a:rPr lang="tr-TR" sz="1000" dirty="0" smtClean="0">
+                <a:solidFill>
+                  <a:srgbClr val="000000"/>
+                </a:solidFill>
+                <a:latin typeface="Consolas" panose="020B0609020204030204" pitchFamily="49" charset="0"/>
+              </a:rPr>
+              <a:t>.userRepository </a:t>
+            </a:r>
+            <a:r>
+              <a:rPr lang="tr-TR" sz="1000" dirty="0">
+                <a:solidFill>
+                  <a:srgbClr val="000000"/>
+                </a:solidFill>
+                <a:latin typeface="Consolas" panose="020B0609020204030204" pitchFamily="49" charset="0"/>
+              </a:rPr>
+              <a:t>= </a:t>
+            </a:r>
+            <a:r>
+              <a:rPr lang="tr-TR" sz="1000" dirty="0" smtClean="0">
+                <a:solidFill>
+                  <a:srgbClr val="000000"/>
+                </a:solidFill>
+                <a:latin typeface="Consolas" panose="020B0609020204030204" pitchFamily="49" charset="0"/>
+              </a:rPr>
+              <a:t>userRepository</a:t>
+            </a:r>
+            <a:r>
+              <a:rPr lang="tr-TR" sz="1000" dirty="0">
+                <a:solidFill>
+                  <a:srgbClr val="000000"/>
+                </a:solidFill>
+                <a:latin typeface="Consolas" panose="020B0609020204030204" pitchFamily="49" charset="0"/>
+              </a:rPr>
+              <a:t>;</a:t>
             </a:r>
           </a:p>
           <a:p>
@@ -19087,7 +19412,25 @@
                 </a:solidFill>
                 <a:latin typeface="Consolas" panose="020B0609020204030204" pitchFamily="49" charset="0"/>
               </a:rPr>
-              <a:t>            userRepositoy.Add(userEntity);</a:t>
+              <a:t>            </a:t>
+            </a:r>
+            <a:r>
+              <a:rPr lang="tr-TR" sz="1000" dirty="0" smtClean="0">
+                <a:solidFill>
+                  <a:srgbClr val="000000"/>
+                </a:solidFill>
+                <a:latin typeface="Consolas" panose="020B0609020204030204" pitchFamily="49" charset="0"/>
+              </a:rPr>
+              <a:t>userRepository.Add(userEntity</a:t>
+            </a:r>
+            <a:r>
+              <a:rPr lang="tr-TR" sz="1000" dirty="0">
+                <a:solidFill>
+                  <a:srgbClr val="000000"/>
+                </a:solidFill>
+                <a:latin typeface="Consolas" panose="020B0609020204030204" pitchFamily="49" charset="0"/>
+              </a:rPr>
+              <a:t>);</a:t>
             </a:r>
           </a:p>
           <a:p>

--- a/Aop.pptx
+++ b/Aop.pptx
@@ -14,6 +14,8 @@
     <p:sldId id="263" r:id="rId8"/>
     <p:sldId id="264" r:id="rId9"/>
     <p:sldId id="265" r:id="rId10"/>
+    <p:sldId id="266" r:id="rId11"/>
+    <p:sldId id="267" r:id="rId12"/>
   </p:sldIdLst>
   <p:sldSz cx="12192000" cy="6858000"/>
   <p:notesSz cx="6858000" cy="9144000"/>
@@ -456,7 +458,7 @@
             <a:fld id="{5923F103-BC34-4FE4-A40E-EDDEECFDA5D0}" type="datetimeFigureOut">
               <a:rPr lang="en-US" dirty="0"/>
               <a:pPr/>
-              <a:t>7/28/2017</a:t>
+              <a:t>7/31/2017</a:t>
             </a:fld>
             <a:endParaRPr lang="en-US" dirty="0"/>
           </a:p>
@@ -1544,7 +1546,7 @@
           <a:p>
             <a:fld id="{923A1CC3-2375-41D4-9E03-427CAF2A4C1A}" type="datetimeFigureOut">
               <a:rPr lang="en-US" dirty="0"/>
-              <a:t>7/28/2017</a:t>
+              <a:t>7/31/2017</a:t>
             </a:fld>
             <a:endParaRPr lang="en-US" dirty="0"/>
           </a:p>
@@ -2524,7 +2526,7 @@
           <a:p>
             <a:fld id="{AFF16868-8199-4C2C-A5B1-63AEE139F88E}" type="datetimeFigureOut">
               <a:rPr lang="en-US" dirty="0"/>
-              <a:t>7/28/2017</a:t>
+              <a:t>7/31/2017</a:t>
             </a:fld>
             <a:endParaRPr lang="en-US" dirty="0"/>
           </a:p>
@@ -3658,7 +3660,7 @@
           <a:p>
             <a:fld id="{AAD9FF7F-6988-44CC-821B-644E70CD2F73}" type="datetimeFigureOut">
               <a:rPr lang="en-US" dirty="0"/>
-              <a:t>7/28/2017</a:t>
+              <a:t>7/31/2017</a:t>
             </a:fld>
             <a:endParaRPr lang="en-US" dirty="0"/>
           </a:p>
@@ -4691,7 +4693,7 @@
           <a:p>
             <a:fld id="{5C12C299-16B2-4475-990D-751901EACC14}" type="datetimeFigureOut">
               <a:rPr lang="en-US" dirty="0"/>
-              <a:t>7/28/2017</a:t>
+              <a:t>7/31/2017</a:t>
             </a:fld>
             <a:endParaRPr lang="en-US" dirty="0"/>
           </a:p>
@@ -5351,7 +5353,7 @@
           <a:p>
             <a:fld id="{9FE86839-B9D8-4651-8783-F325ECE74E65}" type="datetimeFigureOut">
               <a:rPr lang="en-US" dirty="0"/>
-              <a:t>7/28/2017</a:t>
+              <a:t>7/31/2017</a:t>
             </a:fld>
             <a:endParaRPr lang="en-US" dirty="0"/>
           </a:p>
@@ -6212,7 +6214,7 @@
           <a:p>
             <a:fld id="{FD484F64-32F6-45C5-931F-ADC1662401D0}" type="datetimeFigureOut">
               <a:rPr lang="en-US" dirty="0"/>
-              <a:t>7/28/2017</a:t>
+              <a:t>7/31/2017</a:t>
             </a:fld>
             <a:endParaRPr lang="en-US" dirty="0"/>
           </a:p>
@@ -6402,7 +6404,7 @@
           <a:p>
             <a:fld id="{53086D93-FCAC-47E0-A2EE-787E62CA814C}" type="datetimeFigureOut">
               <a:rPr lang="en-US" dirty="0"/>
-              <a:t>7/28/2017</a:t>
+              <a:t>7/31/2017</a:t>
             </a:fld>
             <a:endParaRPr lang="en-US" dirty="0"/>
           </a:p>
@@ -7374,7 +7376,7 @@
           <a:p>
             <a:fld id="{CDA879A6-0FD0-4734-A311-86BFCA472E6E}" type="datetimeFigureOut">
               <a:rPr lang="en-US" dirty="0"/>
-              <a:t>7/28/2017</a:t>
+              <a:t>7/31/2017</a:t>
             </a:fld>
             <a:endParaRPr lang="en-US" dirty="0"/>
           </a:p>
@@ -7585,7 +7587,7 @@
           <a:p>
             <a:fld id="{19C9CA7B-DFD4-44B5-8C60-D14B8CD1FB59}" type="datetimeFigureOut">
               <a:rPr lang="en-US" dirty="0"/>
-              <a:t>7/28/2017</a:t>
+              <a:t>7/31/2017</a:t>
             </a:fld>
             <a:endParaRPr lang="en-US" dirty="0"/>
           </a:p>
@@ -8619,7 +8621,7 @@
           <a:p>
             <a:fld id="{F34E6425-0181-43F2-84FC-787E803FD2F8}" type="datetimeFigureOut">
               <a:rPr lang="en-US" dirty="0"/>
-              <a:t>7/28/2017</a:t>
+              <a:t>7/31/2017</a:t>
             </a:fld>
             <a:endParaRPr lang="en-US" dirty="0"/>
           </a:p>
@@ -8891,7 +8893,7 @@
           <a:p>
             <a:fld id="{3BDB8791-F1B0-41E7-B7FD-A781E65C4266}" type="datetimeFigureOut">
               <a:rPr lang="en-US" dirty="0"/>
-              <a:t>7/28/2017</a:t>
+              <a:t>7/31/2017</a:t>
             </a:fld>
             <a:endParaRPr lang="en-US" dirty="0"/>
           </a:p>
@@ -9301,7 +9303,7 @@
           <a:p>
             <a:fld id="{5FDD63B2-E120-4ED8-B27B-C685F510A5FE}" type="datetimeFigureOut">
               <a:rPr lang="en-US" dirty="0"/>
-              <a:t>7/28/2017</a:t>
+              <a:t>7/31/2017</a:t>
             </a:fld>
             <a:endParaRPr lang="en-US" dirty="0"/>
           </a:p>
@@ -9428,7 +9430,7 @@
           <a:p>
             <a:fld id="{7AA18ACC-A947-437B-A130-35BD54FDF1E9}" type="datetimeFigureOut">
               <a:rPr lang="en-US" dirty="0"/>
-              <a:t>7/28/2017</a:t>
+              <a:t>7/31/2017</a:t>
             </a:fld>
             <a:endParaRPr lang="en-US" dirty="0"/>
           </a:p>
@@ -9523,7 +9525,7 @@
           <a:p>
             <a:fld id="{7C8D7E02-BCB8-4D50-A234-369438C08659}" type="datetimeFigureOut">
               <a:rPr lang="en-US" dirty="0"/>
-              <a:t>7/28/2017</a:t>
+              <a:t>7/31/2017</a:t>
             </a:fld>
             <a:endParaRPr lang="en-US" dirty="0"/>
           </a:p>
@@ -10604,7 +10606,7 @@
           <a:p>
             <a:fld id="{76E86A4C-8E40-4F87-A4F0-01A0687C5742}" type="datetimeFigureOut">
               <a:rPr lang="en-US" dirty="0"/>
-              <a:t>7/28/2017</a:t>
+              <a:t>7/31/2017</a:t>
             </a:fld>
             <a:endParaRPr lang="en-US" dirty="0"/>
           </a:p>
@@ -11712,7 +11714,7 @@
           <a:p>
             <a:fld id="{35E72C73-2D91-4E12-BA25-F0AA0C03599B}" type="datetimeFigureOut">
               <a:rPr lang="en-US" dirty="0"/>
-              <a:t>7/28/2017</a:t>
+              <a:t>7/31/2017</a:t>
             </a:fld>
             <a:endParaRPr lang="en-US" dirty="0"/>
           </a:p>
@@ -12709,7 +12711,7 @@
           <a:p>
             <a:fld id="{2BE451C3-0FF4-47C4-B829-773ADF60F88C}" type="datetimeFigureOut">
               <a:rPr lang="en-US" dirty="0"/>
-              <a:t>7/28/2017</a:t>
+              <a:t>7/31/2017</a:t>
             </a:fld>
             <a:endParaRPr lang="en-US" dirty="0"/>
           </a:p>
@@ -13331,6 +13333,1406 @@
 </p:sld>
 </file>
 
+<file path=ppt/slides/slide10.xml><?xml version="1.0" encoding="utf-8"?>
+<p:sld xmlns:a="http://schemas.openxmlformats.org/drawingml/2006/main" xmlns:r="http://schemas.openxmlformats.org/officeDocument/2006/relationships" xmlns:p="http://schemas.openxmlformats.org/presentationml/2006/main">
+  <p:cSld>
+    <p:spTree>
+      <p:nvGrpSpPr>
+        <p:cNvPr id="1" name=""/>
+        <p:cNvGrpSpPr/>
+        <p:nvPr/>
+      </p:nvGrpSpPr>
+      <p:grpSpPr>
+        <a:xfrm>
+          <a:off x="0" y="0"/>
+          <a:ext cx="0" cy="0"/>
+          <a:chOff x="0" y="0"/>
+          <a:chExt cx="0" cy="0"/>
+        </a:xfrm>
+      </p:grpSpPr>
+      <p:sp>
+        <p:nvSpPr>
+          <p:cNvPr id="14" name="Rectangle 13"/>
+          <p:cNvSpPr/>
+          <p:nvPr/>
+        </p:nvSpPr>
+        <p:spPr>
+          <a:xfrm>
+            <a:off x="4563687" y="2867891"/>
+            <a:ext cx="2701637" cy="2959331"/>
+          </a:xfrm>
+          <a:prstGeom prst="rect">
+            <a:avLst/>
+          </a:prstGeom>
+          <a:solidFill>
+            <a:schemeClr val="bg1"/>
+          </a:solidFill>
+        </p:spPr>
+        <p:style>
+          <a:lnRef idx="2">
+            <a:schemeClr val="accent1">
+              <a:shade val="50000"/>
+            </a:schemeClr>
+          </a:lnRef>
+          <a:fillRef idx="1">
+            <a:schemeClr val="accent1"/>
+          </a:fillRef>
+          <a:effectRef idx="0">
+            <a:schemeClr val="accent1"/>
+          </a:effectRef>
+          <a:fontRef idx="minor">
+            <a:schemeClr val="lt1"/>
+          </a:fontRef>
+        </p:style>
+        <p:txBody>
+          <a:bodyPr rtlCol="0" anchor="ctr"/>
+          <a:lstStyle/>
+          <a:p>
+            <a:pPr algn="ctr"/>
+            <a:endParaRPr lang="tr-TR"/>
+          </a:p>
+        </p:txBody>
+      </p:sp>
+      <p:sp>
+        <p:nvSpPr>
+          <p:cNvPr id="2" name="Title 1"/>
+          <p:cNvSpPr>
+            <a:spLocks noGrp="1"/>
+          </p:cNvSpPr>
+          <p:nvPr>
+            <p:ph type="title"/>
+          </p:nvPr>
+        </p:nvSpPr>
+        <p:spPr/>
+        <p:txBody>
+          <a:bodyPr/>
+          <a:lstStyle/>
+          <a:p>
+            <a:r>
+              <a:rPr lang="tr-TR" dirty="0" smtClean="0"/>
+              <a:t>Interceptor</a:t>
+            </a:r>
+            <a:endParaRPr lang="tr-TR" dirty="0"/>
+          </a:p>
+        </p:txBody>
+      </p:sp>
+      <p:sp>
+        <p:nvSpPr>
+          <p:cNvPr id="3" name="Content Placeholder 2"/>
+          <p:cNvSpPr>
+            <a:spLocks noGrp="1"/>
+          </p:cNvSpPr>
+          <p:nvPr>
+            <p:ph idx="1"/>
+          </p:nvPr>
+        </p:nvSpPr>
+        <p:spPr>
+          <a:xfrm>
+            <a:off x="1154954" y="2310938"/>
+            <a:ext cx="9651591" cy="3708862"/>
+          </a:xfrm>
+        </p:spPr>
+        <p:txBody>
+          <a:bodyPr/>
+          <a:lstStyle/>
+          <a:p>
+            <a:endParaRPr lang="tr-TR" dirty="0"/>
+          </a:p>
+        </p:txBody>
+      </p:sp>
+      <p:sp>
+        <p:nvSpPr>
+          <p:cNvPr id="4" name="Rounded Rectangle 3"/>
+          <p:cNvSpPr/>
+          <p:nvPr/>
+        </p:nvSpPr>
+        <p:spPr>
+          <a:xfrm>
+            <a:off x="1363286" y="2385754"/>
+            <a:ext cx="3000895" cy="598516"/>
+          </a:xfrm>
+          <a:prstGeom prst="roundRect">
+            <a:avLst/>
+          </a:prstGeom>
+        </p:spPr>
+        <p:style>
+          <a:lnRef idx="2">
+            <a:schemeClr val="accent1">
+              <a:shade val="50000"/>
+            </a:schemeClr>
+          </a:lnRef>
+          <a:fillRef idx="1">
+            <a:schemeClr val="accent1"/>
+          </a:fillRef>
+          <a:effectRef idx="0">
+            <a:schemeClr val="accent1"/>
+          </a:effectRef>
+          <a:fontRef idx="minor">
+            <a:schemeClr val="lt1"/>
+          </a:fontRef>
+        </p:style>
+        <p:txBody>
+          <a:bodyPr rtlCol="0" anchor="ctr"/>
+          <a:lstStyle/>
+          <a:p>
+            <a:pPr algn="ctr"/>
+            <a:r>
+              <a:rPr lang="tr-TR" dirty="0" smtClean="0"/>
+              <a:t>App Service Method</a:t>
+            </a:r>
+            <a:endParaRPr lang="tr-TR" dirty="0"/>
+          </a:p>
+        </p:txBody>
+      </p:sp>
+      <p:sp>
+        <p:nvSpPr>
+          <p:cNvPr id="5" name="Rounded Rectangle 4"/>
+          <p:cNvSpPr/>
+          <p:nvPr/>
+        </p:nvSpPr>
+        <p:spPr>
+          <a:xfrm>
+            <a:off x="1679171" y="4053147"/>
+            <a:ext cx="2327564" cy="598516"/>
+          </a:xfrm>
+          <a:prstGeom prst="roundRect">
+            <a:avLst/>
+          </a:prstGeom>
+        </p:spPr>
+        <p:style>
+          <a:lnRef idx="2">
+            <a:schemeClr val="accent3">
+              <a:shade val="50000"/>
+            </a:schemeClr>
+          </a:lnRef>
+          <a:fillRef idx="1">
+            <a:schemeClr val="accent3"/>
+          </a:fillRef>
+          <a:effectRef idx="0">
+            <a:schemeClr val="accent3"/>
+          </a:effectRef>
+          <a:fontRef idx="minor">
+            <a:schemeClr val="lt1"/>
+          </a:fontRef>
+        </p:style>
+        <p:txBody>
+          <a:bodyPr rtlCol="0" anchor="ctr"/>
+          <a:lstStyle/>
+          <a:p>
+            <a:pPr algn="ctr"/>
+            <a:r>
+              <a:rPr lang="tr-TR" dirty="0" smtClean="0"/>
+              <a:t>Intercept</a:t>
+            </a:r>
+            <a:endParaRPr lang="tr-TR" dirty="0"/>
+          </a:p>
+        </p:txBody>
+      </p:sp>
+      <p:sp>
+        <p:nvSpPr>
+          <p:cNvPr id="6" name="Rounded Rectangle 5"/>
+          <p:cNvSpPr/>
+          <p:nvPr/>
+        </p:nvSpPr>
+        <p:spPr>
+          <a:xfrm>
+            <a:off x="4782589" y="3077095"/>
+            <a:ext cx="2327564" cy="598516"/>
+          </a:xfrm>
+          <a:prstGeom prst="roundRect">
+            <a:avLst/>
+          </a:prstGeom>
+        </p:spPr>
+        <p:style>
+          <a:lnRef idx="2">
+            <a:schemeClr val="accent3">
+              <a:shade val="50000"/>
+            </a:schemeClr>
+          </a:lnRef>
+          <a:fillRef idx="1">
+            <a:schemeClr val="accent3"/>
+          </a:fillRef>
+          <a:effectRef idx="0">
+            <a:schemeClr val="accent3"/>
+          </a:effectRef>
+          <a:fontRef idx="minor">
+            <a:schemeClr val="lt1"/>
+          </a:fontRef>
+        </p:style>
+        <p:txBody>
+          <a:bodyPr rtlCol="0" anchor="ctr"/>
+          <a:lstStyle/>
+          <a:p>
+            <a:pPr algn="ctr"/>
+            <a:r>
+              <a:rPr lang="tr-TR" dirty="0" smtClean="0"/>
+              <a:t>Before Proceed</a:t>
+            </a:r>
+            <a:endParaRPr lang="tr-TR" dirty="0"/>
+          </a:p>
+        </p:txBody>
+      </p:sp>
+      <p:sp>
+        <p:nvSpPr>
+          <p:cNvPr id="8" name="Rounded Rectangle 7"/>
+          <p:cNvSpPr/>
+          <p:nvPr/>
+        </p:nvSpPr>
+        <p:spPr>
+          <a:xfrm>
+            <a:off x="4782589" y="5029199"/>
+            <a:ext cx="2327564" cy="598516"/>
+          </a:xfrm>
+          <a:prstGeom prst="roundRect">
+            <a:avLst/>
+          </a:prstGeom>
+        </p:spPr>
+        <p:style>
+          <a:lnRef idx="2">
+            <a:schemeClr val="accent3">
+              <a:shade val="50000"/>
+            </a:schemeClr>
+          </a:lnRef>
+          <a:fillRef idx="1">
+            <a:schemeClr val="accent3"/>
+          </a:fillRef>
+          <a:effectRef idx="0">
+            <a:schemeClr val="accent3"/>
+          </a:effectRef>
+          <a:fontRef idx="minor">
+            <a:schemeClr val="lt1"/>
+          </a:fontRef>
+        </p:style>
+        <p:txBody>
+          <a:bodyPr rtlCol="0" anchor="ctr"/>
+          <a:lstStyle/>
+          <a:p>
+            <a:pPr algn="ctr"/>
+            <a:r>
+              <a:rPr lang="tr-TR" dirty="0" smtClean="0"/>
+              <a:t>After Proceed</a:t>
+            </a:r>
+            <a:endParaRPr lang="tr-TR" dirty="0"/>
+          </a:p>
+        </p:txBody>
+      </p:sp>
+      <p:sp>
+        <p:nvSpPr>
+          <p:cNvPr id="9" name="Rounded Rectangle 8"/>
+          <p:cNvSpPr/>
+          <p:nvPr/>
+        </p:nvSpPr>
+        <p:spPr>
+          <a:xfrm>
+            <a:off x="4782589" y="4053147"/>
+            <a:ext cx="2327564" cy="598516"/>
+          </a:xfrm>
+          <a:prstGeom prst="roundRect">
+            <a:avLst/>
+          </a:prstGeom>
+        </p:spPr>
+        <p:style>
+          <a:lnRef idx="2">
+            <a:schemeClr val="accent1">
+              <a:shade val="50000"/>
+            </a:schemeClr>
+          </a:lnRef>
+          <a:fillRef idx="1">
+            <a:schemeClr val="accent1"/>
+          </a:fillRef>
+          <a:effectRef idx="0">
+            <a:schemeClr val="accent1"/>
+          </a:effectRef>
+          <a:fontRef idx="minor">
+            <a:schemeClr val="lt1"/>
+          </a:fontRef>
+        </p:style>
+        <p:txBody>
+          <a:bodyPr rtlCol="0" anchor="ctr"/>
+          <a:lstStyle/>
+          <a:p>
+            <a:pPr algn="ctr"/>
+            <a:r>
+              <a:rPr lang="tr-TR" dirty="0" smtClean="0"/>
+              <a:t>Proceed</a:t>
+            </a:r>
+            <a:endParaRPr lang="tr-TR" dirty="0"/>
+          </a:p>
+        </p:txBody>
+      </p:sp>
+      <p:sp>
+        <p:nvSpPr>
+          <p:cNvPr id="10" name="Down Arrow 9"/>
+          <p:cNvSpPr/>
+          <p:nvPr/>
+        </p:nvSpPr>
+        <p:spPr>
+          <a:xfrm>
+            <a:off x="2661200" y="2984270"/>
+            <a:ext cx="307571" cy="1068877"/>
+          </a:xfrm>
+          <a:prstGeom prst="downArrow">
+            <a:avLst/>
+          </a:prstGeom>
+        </p:spPr>
+        <p:style>
+          <a:lnRef idx="2">
+            <a:schemeClr val="accent1">
+              <a:shade val="50000"/>
+            </a:schemeClr>
+          </a:lnRef>
+          <a:fillRef idx="1">
+            <a:schemeClr val="accent1"/>
+          </a:fillRef>
+          <a:effectRef idx="0">
+            <a:schemeClr val="accent1"/>
+          </a:effectRef>
+          <a:fontRef idx="minor">
+            <a:schemeClr val="lt1"/>
+          </a:fontRef>
+        </p:style>
+        <p:txBody>
+          <a:bodyPr rtlCol="0" anchor="ctr"/>
+          <a:lstStyle/>
+          <a:p>
+            <a:pPr algn="ctr"/>
+            <a:endParaRPr lang="tr-TR"/>
+          </a:p>
+        </p:txBody>
+      </p:sp>
+      <p:sp>
+        <p:nvSpPr>
+          <p:cNvPr id="12" name="Down Arrow 11"/>
+          <p:cNvSpPr/>
+          <p:nvPr/>
+        </p:nvSpPr>
+        <p:spPr>
+          <a:xfrm>
+            <a:off x="5769033" y="3675611"/>
+            <a:ext cx="241069" cy="377536"/>
+          </a:xfrm>
+          <a:prstGeom prst="downArrow">
+            <a:avLst/>
+          </a:prstGeom>
+        </p:spPr>
+        <p:style>
+          <a:lnRef idx="2">
+            <a:schemeClr val="accent1">
+              <a:shade val="50000"/>
+            </a:schemeClr>
+          </a:lnRef>
+          <a:fillRef idx="1">
+            <a:schemeClr val="accent1"/>
+          </a:fillRef>
+          <a:effectRef idx="0">
+            <a:schemeClr val="accent1"/>
+          </a:effectRef>
+          <a:fontRef idx="minor">
+            <a:schemeClr val="lt1"/>
+          </a:fontRef>
+        </p:style>
+        <p:txBody>
+          <a:bodyPr rtlCol="0" anchor="ctr"/>
+          <a:lstStyle/>
+          <a:p>
+            <a:pPr algn="ctr"/>
+            <a:endParaRPr lang="tr-TR"/>
+          </a:p>
+        </p:txBody>
+      </p:sp>
+      <p:sp>
+        <p:nvSpPr>
+          <p:cNvPr id="13" name="Down Arrow 12"/>
+          <p:cNvSpPr/>
+          <p:nvPr/>
+        </p:nvSpPr>
+        <p:spPr>
+          <a:xfrm>
+            <a:off x="5769033" y="4651663"/>
+            <a:ext cx="241069" cy="377536"/>
+          </a:xfrm>
+          <a:prstGeom prst="downArrow">
+            <a:avLst/>
+          </a:prstGeom>
+        </p:spPr>
+        <p:style>
+          <a:lnRef idx="2">
+            <a:schemeClr val="accent1">
+              <a:shade val="50000"/>
+            </a:schemeClr>
+          </a:lnRef>
+          <a:fillRef idx="1">
+            <a:schemeClr val="accent1"/>
+          </a:fillRef>
+          <a:effectRef idx="0">
+            <a:schemeClr val="accent1"/>
+          </a:effectRef>
+          <a:fontRef idx="minor">
+            <a:schemeClr val="lt1"/>
+          </a:fontRef>
+        </p:style>
+        <p:txBody>
+          <a:bodyPr rtlCol="0" anchor="ctr"/>
+          <a:lstStyle/>
+          <a:p>
+            <a:pPr algn="ctr"/>
+            <a:endParaRPr lang="tr-TR"/>
+          </a:p>
+        </p:txBody>
+      </p:sp>
+      <p:sp>
+        <p:nvSpPr>
+          <p:cNvPr id="16" name="Oval 15"/>
+          <p:cNvSpPr/>
+          <p:nvPr/>
+        </p:nvSpPr>
+        <p:spPr>
+          <a:xfrm>
+            <a:off x="7879338" y="4463934"/>
+            <a:ext cx="2701636" cy="634847"/>
+          </a:xfrm>
+          <a:prstGeom prst="ellipse">
+            <a:avLst/>
+          </a:prstGeom>
+        </p:spPr>
+        <p:style>
+          <a:lnRef idx="2">
+            <a:schemeClr val="accent1">
+              <a:shade val="50000"/>
+            </a:schemeClr>
+          </a:lnRef>
+          <a:fillRef idx="1">
+            <a:schemeClr val="accent1"/>
+          </a:fillRef>
+          <a:effectRef idx="0">
+            <a:schemeClr val="accent1"/>
+          </a:effectRef>
+          <a:fontRef idx="minor">
+            <a:schemeClr val="lt1"/>
+          </a:fontRef>
+        </p:style>
+        <p:txBody>
+          <a:bodyPr rtlCol="0" anchor="ctr"/>
+          <a:lstStyle/>
+          <a:p>
+            <a:pPr algn="ctr"/>
+            <a:r>
+              <a:rPr lang="tr-TR" dirty="0" smtClean="0"/>
+              <a:t>Logging</a:t>
+            </a:r>
+            <a:endParaRPr lang="tr-TR" dirty="0"/>
+          </a:p>
+        </p:txBody>
+      </p:sp>
+      <p:sp>
+        <p:nvSpPr>
+          <p:cNvPr id="17" name="Oval 16"/>
+          <p:cNvSpPr/>
+          <p:nvPr/>
+        </p:nvSpPr>
+        <p:spPr>
+          <a:xfrm>
+            <a:off x="7879338" y="3596330"/>
+            <a:ext cx="2701636" cy="634847"/>
+          </a:xfrm>
+          <a:prstGeom prst="ellipse">
+            <a:avLst/>
+          </a:prstGeom>
+        </p:spPr>
+        <p:style>
+          <a:lnRef idx="2">
+            <a:schemeClr val="accent1">
+              <a:shade val="50000"/>
+            </a:schemeClr>
+          </a:lnRef>
+          <a:fillRef idx="1">
+            <a:schemeClr val="accent1"/>
+          </a:fillRef>
+          <a:effectRef idx="0">
+            <a:schemeClr val="accent1"/>
+          </a:effectRef>
+          <a:fontRef idx="minor">
+            <a:schemeClr val="lt1"/>
+          </a:fontRef>
+        </p:style>
+        <p:txBody>
+          <a:bodyPr rtlCol="0" anchor="ctr"/>
+          <a:lstStyle/>
+          <a:p>
+            <a:pPr algn="ctr"/>
+            <a:r>
+              <a:rPr lang="tr-TR" dirty="0" smtClean="0"/>
+              <a:t>Validation</a:t>
+            </a:r>
+            <a:endParaRPr lang="tr-TR" dirty="0"/>
+          </a:p>
+        </p:txBody>
+      </p:sp>
+      <p:cxnSp>
+        <p:nvCxnSpPr>
+          <p:cNvPr id="19" name="Straight Arrow Connector 18"/>
+          <p:cNvCxnSpPr>
+            <a:endCxn id="16" idx="2"/>
+          </p:cNvCxnSpPr>
+          <p:nvPr/>
+        </p:nvCxnSpPr>
+        <p:spPr>
+          <a:xfrm flipV="1">
+            <a:off x="7110153" y="4781358"/>
+            <a:ext cx="769185" cy="547099"/>
+          </a:xfrm>
+          <a:prstGeom prst="straightConnector1">
+            <a:avLst/>
+          </a:prstGeom>
+          <a:ln>
+            <a:tailEnd type="triangle"/>
+          </a:ln>
+        </p:spPr>
+        <p:style>
+          <a:lnRef idx="1">
+            <a:schemeClr val="accent1"/>
+          </a:lnRef>
+          <a:fillRef idx="0">
+            <a:schemeClr val="accent1"/>
+          </a:fillRef>
+          <a:effectRef idx="0">
+            <a:schemeClr val="accent1"/>
+          </a:effectRef>
+          <a:fontRef idx="minor">
+            <a:schemeClr val="tx1"/>
+          </a:fontRef>
+        </p:style>
+      </p:cxnSp>
+      <p:cxnSp>
+        <p:nvCxnSpPr>
+          <p:cNvPr id="21" name="Straight Arrow Connector 20"/>
+          <p:cNvCxnSpPr>
+            <a:stCxn id="6" idx="3"/>
+            <a:endCxn id="16" idx="2"/>
+          </p:cNvCxnSpPr>
+          <p:nvPr/>
+        </p:nvCxnSpPr>
+        <p:spPr>
+          <a:xfrm>
+            <a:off x="7110153" y="3376353"/>
+            <a:ext cx="769185" cy="1405005"/>
+          </a:xfrm>
+          <a:prstGeom prst="straightConnector1">
+            <a:avLst/>
+          </a:prstGeom>
+          <a:ln>
+            <a:tailEnd type="triangle"/>
+          </a:ln>
+        </p:spPr>
+        <p:style>
+          <a:lnRef idx="1">
+            <a:schemeClr val="accent1"/>
+          </a:lnRef>
+          <a:fillRef idx="0">
+            <a:schemeClr val="accent1"/>
+          </a:fillRef>
+          <a:effectRef idx="0">
+            <a:schemeClr val="accent1"/>
+          </a:effectRef>
+          <a:fontRef idx="minor">
+            <a:schemeClr val="tx1"/>
+          </a:fontRef>
+        </p:style>
+      </p:cxnSp>
+      <p:cxnSp>
+        <p:nvCxnSpPr>
+          <p:cNvPr id="27" name="Straight Arrow Connector 26"/>
+          <p:cNvCxnSpPr>
+            <a:stCxn id="6" idx="3"/>
+            <a:endCxn id="17" idx="2"/>
+          </p:cNvCxnSpPr>
+          <p:nvPr/>
+        </p:nvCxnSpPr>
+        <p:spPr>
+          <a:xfrm>
+            <a:off x="7110153" y="3376353"/>
+            <a:ext cx="769185" cy="537401"/>
+          </a:xfrm>
+          <a:prstGeom prst="straightConnector1">
+            <a:avLst/>
+          </a:prstGeom>
+          <a:ln>
+            <a:tailEnd type="triangle"/>
+          </a:ln>
+        </p:spPr>
+        <p:style>
+          <a:lnRef idx="1">
+            <a:schemeClr val="accent1"/>
+          </a:lnRef>
+          <a:fillRef idx="0">
+            <a:schemeClr val="accent1"/>
+          </a:fillRef>
+          <a:effectRef idx="0">
+            <a:schemeClr val="accent1"/>
+          </a:effectRef>
+          <a:fontRef idx="minor">
+            <a:schemeClr val="tx1"/>
+          </a:fontRef>
+        </p:style>
+      </p:cxnSp>
+      <p:sp>
+        <p:nvSpPr>
+          <p:cNvPr id="37" name="Equal 36"/>
+          <p:cNvSpPr/>
+          <p:nvPr/>
+        </p:nvSpPr>
+        <p:spPr>
+          <a:xfrm>
+            <a:off x="4123113" y="4231177"/>
+            <a:ext cx="324196" cy="299259"/>
+          </a:xfrm>
+          <a:prstGeom prst="mathEqual">
+            <a:avLst/>
+          </a:prstGeom>
+        </p:spPr>
+        <p:style>
+          <a:lnRef idx="2">
+            <a:schemeClr val="accent1">
+              <a:shade val="50000"/>
+            </a:schemeClr>
+          </a:lnRef>
+          <a:fillRef idx="1">
+            <a:schemeClr val="accent1"/>
+          </a:fillRef>
+          <a:effectRef idx="0">
+            <a:schemeClr val="accent1"/>
+          </a:effectRef>
+          <a:fontRef idx="minor">
+            <a:schemeClr val="lt1"/>
+          </a:fontRef>
+        </p:style>
+        <p:txBody>
+          <a:bodyPr rtlCol="0" anchor="ctr"/>
+          <a:lstStyle/>
+          <a:p>
+            <a:pPr algn="ctr"/>
+            <a:endParaRPr lang="tr-TR">
+              <a:solidFill>
+                <a:schemeClr val="tx1"/>
+              </a:solidFill>
+            </a:endParaRPr>
+          </a:p>
+        </p:txBody>
+      </p:sp>
+    </p:spTree>
+    <p:extLst>
+      <p:ext uri="{BB962C8B-B14F-4D97-AF65-F5344CB8AC3E}">
+        <p14:creationId xmlns:p14="http://schemas.microsoft.com/office/powerpoint/2010/main" val="562101643"/>
+      </p:ext>
+    </p:extLst>
+  </p:cSld>
+  <p:clrMapOvr>
+    <a:masterClrMapping/>
+  </p:clrMapOvr>
+</p:sld>
+</file>
+
+<file path=ppt/slides/slide11.xml><?xml version="1.0" encoding="utf-8"?>
+<p:sld xmlns:a="http://schemas.openxmlformats.org/drawingml/2006/main" xmlns:r="http://schemas.openxmlformats.org/officeDocument/2006/relationships" xmlns:p="http://schemas.openxmlformats.org/presentationml/2006/main">
+  <p:cSld>
+    <p:spTree>
+      <p:nvGrpSpPr>
+        <p:cNvPr id="1" name=""/>
+        <p:cNvGrpSpPr/>
+        <p:nvPr/>
+      </p:nvGrpSpPr>
+      <p:grpSpPr>
+        <a:xfrm>
+          <a:off x="0" y="0"/>
+          <a:ext cx="0" cy="0"/>
+          <a:chOff x="0" y="0"/>
+          <a:chExt cx="0" cy="0"/>
+        </a:xfrm>
+      </p:grpSpPr>
+      <p:sp>
+        <p:nvSpPr>
+          <p:cNvPr id="2" name="Title 1"/>
+          <p:cNvSpPr>
+            <a:spLocks noGrp="1"/>
+          </p:cNvSpPr>
+          <p:nvPr>
+            <p:ph type="title"/>
+          </p:nvPr>
+        </p:nvSpPr>
+        <p:spPr/>
+        <p:txBody>
+          <a:bodyPr/>
+          <a:lstStyle/>
+          <a:p>
+            <a:r>
+              <a:rPr lang="tr-TR" dirty="0" smtClean="0"/>
+              <a:t>Action Filter Attribute</a:t>
+            </a:r>
+            <a:endParaRPr lang="tr-TR" dirty="0"/>
+          </a:p>
+        </p:txBody>
+      </p:sp>
+      <p:sp>
+        <p:nvSpPr>
+          <p:cNvPr id="3" name="Content Placeholder 2"/>
+          <p:cNvSpPr>
+            <a:spLocks noGrp="1"/>
+          </p:cNvSpPr>
+          <p:nvPr>
+            <p:ph idx="1"/>
+          </p:nvPr>
+        </p:nvSpPr>
+        <p:spPr>
+          <a:xfrm>
+            <a:off x="1154954" y="2377439"/>
+            <a:ext cx="8825659" cy="4281056"/>
+          </a:xfrm>
+        </p:spPr>
+        <p:txBody>
+          <a:bodyPr/>
+          <a:lstStyle/>
+          <a:p>
+            <a:endParaRPr lang="tr-TR" dirty="0"/>
+          </a:p>
+        </p:txBody>
+      </p:sp>
+      <p:sp>
+        <p:nvSpPr>
+          <p:cNvPr id="4" name="Rounded Rectangle 3"/>
+          <p:cNvSpPr/>
+          <p:nvPr/>
+        </p:nvSpPr>
+        <p:spPr>
+          <a:xfrm>
+            <a:off x="1920239" y="2471709"/>
+            <a:ext cx="7556269" cy="581891"/>
+          </a:xfrm>
+          <a:prstGeom prst="roundRect">
+            <a:avLst/>
+          </a:prstGeom>
+        </p:spPr>
+        <p:style>
+          <a:lnRef idx="2">
+            <a:schemeClr val="accent1">
+              <a:shade val="50000"/>
+            </a:schemeClr>
+          </a:lnRef>
+          <a:fillRef idx="1">
+            <a:schemeClr val="accent1"/>
+          </a:fillRef>
+          <a:effectRef idx="0">
+            <a:schemeClr val="accent1"/>
+          </a:effectRef>
+          <a:fontRef idx="minor">
+            <a:schemeClr val="lt1"/>
+          </a:fontRef>
+        </p:style>
+        <p:txBody>
+          <a:bodyPr rtlCol="0" anchor="ctr"/>
+          <a:lstStyle/>
+          <a:p>
+            <a:pPr algn="ctr"/>
+            <a:r>
+              <a:rPr lang="tr-TR" dirty="0" smtClean="0"/>
+              <a:t>API Controller</a:t>
+            </a:r>
+            <a:endParaRPr lang="tr-TR" dirty="0"/>
+          </a:p>
+        </p:txBody>
+      </p:sp>
+      <p:sp>
+        <p:nvSpPr>
+          <p:cNvPr id="5" name="Rounded Rectangle 4"/>
+          <p:cNvSpPr/>
+          <p:nvPr/>
+        </p:nvSpPr>
+        <p:spPr>
+          <a:xfrm>
+            <a:off x="1920239" y="4311650"/>
+            <a:ext cx="7556269" cy="581891"/>
+          </a:xfrm>
+          <a:prstGeom prst="roundRect">
+            <a:avLst/>
+          </a:prstGeom>
+        </p:spPr>
+        <p:style>
+          <a:lnRef idx="2">
+            <a:schemeClr val="accent1">
+              <a:shade val="50000"/>
+            </a:schemeClr>
+          </a:lnRef>
+          <a:fillRef idx="1">
+            <a:schemeClr val="accent1"/>
+          </a:fillRef>
+          <a:effectRef idx="0">
+            <a:schemeClr val="accent1"/>
+          </a:effectRef>
+          <a:fontRef idx="minor">
+            <a:schemeClr val="lt1"/>
+          </a:fontRef>
+        </p:style>
+        <p:txBody>
+          <a:bodyPr rtlCol="0" anchor="ctr"/>
+          <a:lstStyle/>
+          <a:p>
+            <a:pPr algn="ctr"/>
+            <a:r>
+              <a:rPr lang="tr-TR" dirty="0" smtClean="0"/>
+              <a:t>ActionFilterAttribute</a:t>
+            </a:r>
+            <a:endParaRPr lang="tr-TR" dirty="0"/>
+          </a:p>
+        </p:txBody>
+      </p:sp>
+      <p:sp>
+        <p:nvSpPr>
+          <p:cNvPr id="6" name="Rounded Rectangle 5"/>
+          <p:cNvSpPr/>
+          <p:nvPr/>
+        </p:nvSpPr>
+        <p:spPr>
+          <a:xfrm>
+            <a:off x="2069871" y="4394430"/>
+            <a:ext cx="1612668" cy="416329"/>
+          </a:xfrm>
+          <a:prstGeom prst="roundRect">
+            <a:avLst/>
+          </a:prstGeom>
+        </p:spPr>
+        <p:style>
+          <a:lnRef idx="2">
+            <a:schemeClr val="accent1">
+              <a:shade val="50000"/>
+            </a:schemeClr>
+          </a:lnRef>
+          <a:fillRef idx="1">
+            <a:schemeClr val="accent1"/>
+          </a:fillRef>
+          <a:effectRef idx="0">
+            <a:schemeClr val="accent1"/>
+          </a:effectRef>
+          <a:fontRef idx="minor">
+            <a:schemeClr val="lt1"/>
+          </a:fontRef>
+        </p:style>
+        <p:txBody>
+          <a:bodyPr rtlCol="0" anchor="ctr"/>
+          <a:lstStyle/>
+          <a:p>
+            <a:pPr algn="ctr"/>
+            <a:r>
+              <a:rPr lang="tr-TR" sz="1100" dirty="0" smtClean="0"/>
+              <a:t>OnActionExecuting</a:t>
+            </a:r>
+            <a:endParaRPr lang="tr-TR" sz="1100" dirty="0"/>
+          </a:p>
+        </p:txBody>
+      </p:sp>
+      <p:sp>
+        <p:nvSpPr>
+          <p:cNvPr id="7" name="Rounded Rectangle 6"/>
+          <p:cNvSpPr/>
+          <p:nvPr/>
+        </p:nvSpPr>
+        <p:spPr>
+          <a:xfrm>
+            <a:off x="7716983" y="4394430"/>
+            <a:ext cx="1612668" cy="416329"/>
+          </a:xfrm>
+          <a:prstGeom prst="roundRect">
+            <a:avLst/>
+          </a:prstGeom>
+        </p:spPr>
+        <p:style>
+          <a:lnRef idx="2">
+            <a:schemeClr val="accent1">
+              <a:shade val="50000"/>
+            </a:schemeClr>
+          </a:lnRef>
+          <a:fillRef idx="1">
+            <a:schemeClr val="accent1"/>
+          </a:fillRef>
+          <a:effectRef idx="0">
+            <a:schemeClr val="accent1"/>
+          </a:effectRef>
+          <a:fontRef idx="minor">
+            <a:schemeClr val="lt1"/>
+          </a:fontRef>
+        </p:style>
+        <p:txBody>
+          <a:bodyPr rtlCol="0" anchor="ctr"/>
+          <a:lstStyle/>
+          <a:p>
+            <a:pPr algn="ctr"/>
+            <a:r>
+              <a:rPr lang="tr-TR" sz="1100" dirty="0" smtClean="0"/>
+              <a:t>OnActionExecuted</a:t>
+            </a:r>
+            <a:endParaRPr lang="tr-TR" sz="1100" dirty="0"/>
+          </a:p>
+        </p:txBody>
+      </p:sp>
+      <p:sp>
+        <p:nvSpPr>
+          <p:cNvPr id="8" name="Up Arrow 7"/>
+          <p:cNvSpPr/>
+          <p:nvPr/>
+        </p:nvSpPr>
+        <p:spPr>
+          <a:xfrm>
+            <a:off x="2485506" y="5000144"/>
+            <a:ext cx="272242" cy="1023081"/>
+          </a:xfrm>
+          <a:prstGeom prst="upArrow">
+            <a:avLst/>
+          </a:prstGeom>
+        </p:spPr>
+        <p:style>
+          <a:lnRef idx="2">
+            <a:schemeClr val="accent1">
+              <a:shade val="50000"/>
+            </a:schemeClr>
+          </a:lnRef>
+          <a:fillRef idx="1">
+            <a:schemeClr val="accent1"/>
+          </a:fillRef>
+          <a:effectRef idx="0">
+            <a:schemeClr val="accent1"/>
+          </a:effectRef>
+          <a:fontRef idx="minor">
+            <a:schemeClr val="lt1"/>
+          </a:fontRef>
+        </p:style>
+        <p:txBody>
+          <a:bodyPr rtlCol="0" anchor="ctr"/>
+          <a:lstStyle/>
+          <a:p>
+            <a:pPr algn="ctr"/>
+            <a:endParaRPr lang="tr-TR"/>
+          </a:p>
+        </p:txBody>
+      </p:sp>
+      <p:sp>
+        <p:nvSpPr>
+          <p:cNvPr id="9" name="Rectangle 8"/>
+          <p:cNvSpPr/>
+          <p:nvPr/>
+        </p:nvSpPr>
+        <p:spPr>
+          <a:xfrm>
+            <a:off x="1920239" y="6151591"/>
+            <a:ext cx="2202871" cy="362296"/>
+          </a:xfrm>
+          <a:prstGeom prst="rect">
+            <a:avLst/>
+          </a:prstGeom>
+          <a:solidFill>
+            <a:schemeClr val="bg1"/>
+          </a:solidFill>
+          <a:ln>
+            <a:solidFill>
+              <a:schemeClr val="bg2"/>
+            </a:solidFill>
+          </a:ln>
+        </p:spPr>
+        <p:style>
+          <a:lnRef idx="2">
+            <a:schemeClr val="accent1">
+              <a:shade val="50000"/>
+            </a:schemeClr>
+          </a:lnRef>
+          <a:fillRef idx="1">
+            <a:schemeClr val="accent1"/>
+          </a:fillRef>
+          <a:effectRef idx="0">
+            <a:schemeClr val="accent1"/>
+          </a:effectRef>
+          <a:fontRef idx="minor">
+            <a:schemeClr val="lt1"/>
+          </a:fontRef>
+        </p:style>
+        <p:txBody>
+          <a:bodyPr rtlCol="0" anchor="ctr"/>
+          <a:lstStyle/>
+          <a:p>
+            <a:pPr algn="ctr"/>
+            <a:r>
+              <a:rPr lang="tr-TR" dirty="0" smtClean="0">
+                <a:solidFill>
+                  <a:srgbClr val="B31166"/>
+                </a:solidFill>
+              </a:rPr>
+              <a:t>Request Message</a:t>
+            </a:r>
+            <a:endParaRPr lang="tr-TR" dirty="0">
+              <a:solidFill>
+                <a:srgbClr val="B31166"/>
+              </a:solidFill>
+            </a:endParaRPr>
+          </a:p>
+        </p:txBody>
+      </p:sp>
+      <p:sp>
+        <p:nvSpPr>
+          <p:cNvPr id="10" name="Rounded Rectangle 9"/>
+          <p:cNvSpPr/>
+          <p:nvPr/>
+        </p:nvSpPr>
+        <p:spPr>
+          <a:xfrm>
+            <a:off x="1920239" y="3454787"/>
+            <a:ext cx="2286001" cy="490451"/>
+          </a:xfrm>
+          <a:prstGeom prst="roundRect">
+            <a:avLst/>
+          </a:prstGeom>
+        </p:spPr>
+        <p:style>
+          <a:lnRef idx="2">
+            <a:schemeClr val="accent1">
+              <a:shade val="50000"/>
+            </a:schemeClr>
+          </a:lnRef>
+          <a:fillRef idx="1">
+            <a:schemeClr val="accent1"/>
+          </a:fillRef>
+          <a:effectRef idx="0">
+            <a:schemeClr val="accent1"/>
+          </a:effectRef>
+          <a:fontRef idx="minor">
+            <a:schemeClr val="lt1"/>
+          </a:fontRef>
+        </p:style>
+        <p:txBody>
+          <a:bodyPr rtlCol="0" anchor="ctr"/>
+          <a:lstStyle/>
+          <a:p>
+            <a:pPr algn="ctr"/>
+            <a:r>
+              <a:rPr lang="tr-TR" dirty="0" smtClean="0"/>
+              <a:t>Dynamic Handlers</a:t>
+            </a:r>
+            <a:endParaRPr lang="tr-TR" dirty="0"/>
+          </a:p>
+        </p:txBody>
+      </p:sp>
+      <p:sp>
+        <p:nvSpPr>
+          <p:cNvPr id="13" name="Rounded Rectangle 12"/>
+          <p:cNvSpPr/>
+          <p:nvPr/>
+        </p:nvSpPr>
+        <p:spPr>
+          <a:xfrm>
+            <a:off x="7190507" y="5313760"/>
+            <a:ext cx="2286001" cy="490451"/>
+          </a:xfrm>
+          <a:prstGeom prst="roundRect">
+            <a:avLst/>
+          </a:prstGeom>
+        </p:spPr>
+        <p:style>
+          <a:lnRef idx="2">
+            <a:schemeClr val="accent1">
+              <a:shade val="50000"/>
+            </a:schemeClr>
+          </a:lnRef>
+          <a:fillRef idx="1">
+            <a:schemeClr val="accent1"/>
+          </a:fillRef>
+          <a:effectRef idx="0">
+            <a:schemeClr val="accent1"/>
+          </a:effectRef>
+          <a:fontRef idx="minor">
+            <a:schemeClr val="lt1"/>
+          </a:fontRef>
+        </p:style>
+        <p:txBody>
+          <a:bodyPr rtlCol="0" anchor="ctr"/>
+          <a:lstStyle/>
+          <a:p>
+            <a:pPr algn="ctr"/>
+            <a:r>
+              <a:rPr lang="tr-TR" dirty="0" smtClean="0"/>
+              <a:t>Dynamic Handlers</a:t>
+            </a:r>
+            <a:endParaRPr lang="tr-TR" dirty="0"/>
+          </a:p>
+        </p:txBody>
+      </p:sp>
+      <p:sp>
+        <p:nvSpPr>
+          <p:cNvPr id="14" name="Up Arrow 13"/>
+          <p:cNvSpPr/>
+          <p:nvPr/>
+        </p:nvSpPr>
+        <p:spPr>
+          <a:xfrm>
+            <a:off x="2520833" y="3974213"/>
+            <a:ext cx="236914" cy="286613"/>
+          </a:xfrm>
+          <a:prstGeom prst="upArrow">
+            <a:avLst/>
+          </a:prstGeom>
+        </p:spPr>
+        <p:style>
+          <a:lnRef idx="2">
+            <a:schemeClr val="accent1">
+              <a:shade val="50000"/>
+            </a:schemeClr>
+          </a:lnRef>
+          <a:fillRef idx="1">
+            <a:schemeClr val="accent1"/>
+          </a:fillRef>
+          <a:effectRef idx="0">
+            <a:schemeClr val="accent1"/>
+          </a:effectRef>
+          <a:fontRef idx="minor">
+            <a:schemeClr val="lt1"/>
+          </a:fontRef>
+        </p:style>
+        <p:txBody>
+          <a:bodyPr rtlCol="0" anchor="ctr"/>
+          <a:lstStyle/>
+          <a:p>
+            <a:pPr algn="ctr"/>
+            <a:endParaRPr lang="tr-TR"/>
+          </a:p>
+        </p:txBody>
+      </p:sp>
+      <p:sp>
+        <p:nvSpPr>
+          <p:cNvPr id="15" name="Up Arrow 14"/>
+          <p:cNvSpPr/>
+          <p:nvPr/>
+        </p:nvSpPr>
+        <p:spPr>
+          <a:xfrm>
+            <a:off x="2520833" y="3120403"/>
+            <a:ext cx="236914" cy="286613"/>
+          </a:xfrm>
+          <a:prstGeom prst="upArrow">
+            <a:avLst/>
+          </a:prstGeom>
+        </p:spPr>
+        <p:style>
+          <a:lnRef idx="2">
+            <a:schemeClr val="accent1">
+              <a:shade val="50000"/>
+            </a:schemeClr>
+          </a:lnRef>
+          <a:fillRef idx="1">
+            <a:schemeClr val="accent1"/>
+          </a:fillRef>
+          <a:effectRef idx="0">
+            <a:schemeClr val="accent1"/>
+          </a:effectRef>
+          <a:fontRef idx="minor">
+            <a:schemeClr val="lt1"/>
+          </a:fontRef>
+        </p:style>
+        <p:txBody>
+          <a:bodyPr rtlCol="0" anchor="ctr"/>
+          <a:lstStyle/>
+          <a:p>
+            <a:pPr algn="ctr"/>
+            <a:endParaRPr lang="tr-TR"/>
+          </a:p>
+        </p:txBody>
+      </p:sp>
+      <p:sp>
+        <p:nvSpPr>
+          <p:cNvPr id="16" name="Down Arrow 15"/>
+          <p:cNvSpPr/>
+          <p:nvPr/>
+        </p:nvSpPr>
+        <p:spPr>
+          <a:xfrm>
+            <a:off x="8412480" y="3144267"/>
+            <a:ext cx="266007" cy="1059972"/>
+          </a:xfrm>
+          <a:prstGeom prst="downArrow">
+            <a:avLst/>
+          </a:prstGeom>
+        </p:spPr>
+        <p:style>
+          <a:lnRef idx="2">
+            <a:schemeClr val="accent1">
+              <a:shade val="50000"/>
+            </a:schemeClr>
+          </a:lnRef>
+          <a:fillRef idx="1">
+            <a:schemeClr val="accent1"/>
+          </a:fillRef>
+          <a:effectRef idx="0">
+            <a:schemeClr val="accent1"/>
+          </a:effectRef>
+          <a:fontRef idx="minor">
+            <a:schemeClr val="lt1"/>
+          </a:fontRef>
+        </p:style>
+        <p:txBody>
+          <a:bodyPr rtlCol="0" anchor="ctr"/>
+          <a:lstStyle/>
+          <a:p>
+            <a:pPr algn="ctr"/>
+            <a:endParaRPr lang="tr-TR"/>
+          </a:p>
+        </p:txBody>
+      </p:sp>
+      <p:sp>
+        <p:nvSpPr>
+          <p:cNvPr id="17" name="Down Arrow 16"/>
+          <p:cNvSpPr/>
+          <p:nvPr/>
+        </p:nvSpPr>
+        <p:spPr>
+          <a:xfrm>
+            <a:off x="8438803" y="4934932"/>
+            <a:ext cx="213359" cy="337437"/>
+          </a:xfrm>
+          <a:prstGeom prst="downArrow">
+            <a:avLst/>
+          </a:prstGeom>
+        </p:spPr>
+        <p:style>
+          <a:lnRef idx="2">
+            <a:schemeClr val="accent1">
+              <a:shade val="50000"/>
+            </a:schemeClr>
+          </a:lnRef>
+          <a:fillRef idx="1">
+            <a:schemeClr val="accent1"/>
+          </a:fillRef>
+          <a:effectRef idx="0">
+            <a:schemeClr val="accent1"/>
+          </a:effectRef>
+          <a:fontRef idx="minor">
+            <a:schemeClr val="lt1"/>
+          </a:fontRef>
+        </p:style>
+        <p:txBody>
+          <a:bodyPr rtlCol="0" anchor="ctr"/>
+          <a:lstStyle/>
+          <a:p>
+            <a:pPr algn="ctr"/>
+            <a:endParaRPr lang="tr-TR"/>
+          </a:p>
+        </p:txBody>
+      </p:sp>
+      <p:sp>
+        <p:nvSpPr>
+          <p:cNvPr id="19" name="Rectangle 18"/>
+          <p:cNvSpPr/>
+          <p:nvPr/>
+        </p:nvSpPr>
+        <p:spPr>
+          <a:xfrm>
+            <a:off x="7146173" y="6168353"/>
+            <a:ext cx="2330335" cy="362296"/>
+          </a:xfrm>
+          <a:prstGeom prst="rect">
+            <a:avLst/>
+          </a:prstGeom>
+          <a:solidFill>
+            <a:schemeClr val="bg1"/>
+          </a:solidFill>
+          <a:ln>
+            <a:solidFill>
+              <a:schemeClr val="bg2"/>
+            </a:solidFill>
+          </a:ln>
+        </p:spPr>
+        <p:style>
+          <a:lnRef idx="2">
+            <a:schemeClr val="accent1">
+              <a:shade val="50000"/>
+            </a:schemeClr>
+          </a:lnRef>
+          <a:fillRef idx="1">
+            <a:schemeClr val="accent1"/>
+          </a:fillRef>
+          <a:effectRef idx="0">
+            <a:schemeClr val="accent1"/>
+          </a:effectRef>
+          <a:fontRef idx="minor">
+            <a:schemeClr val="lt1"/>
+          </a:fontRef>
+        </p:style>
+        <p:txBody>
+          <a:bodyPr rtlCol="0" anchor="ctr"/>
+          <a:lstStyle/>
+          <a:p>
+            <a:pPr algn="ctr"/>
+            <a:r>
+              <a:rPr lang="tr-TR" dirty="0" smtClean="0">
+                <a:solidFill>
+                  <a:srgbClr val="B31166"/>
+                </a:solidFill>
+              </a:rPr>
+              <a:t>Response Message</a:t>
+            </a:r>
+            <a:endParaRPr lang="tr-TR" dirty="0">
+              <a:solidFill>
+                <a:srgbClr val="B31166"/>
+              </a:solidFill>
+            </a:endParaRPr>
+          </a:p>
+        </p:txBody>
+      </p:sp>
+      <p:sp>
+        <p:nvSpPr>
+          <p:cNvPr id="20" name="Down Arrow 19"/>
+          <p:cNvSpPr/>
+          <p:nvPr/>
+        </p:nvSpPr>
+        <p:spPr>
+          <a:xfrm>
+            <a:off x="8449189" y="5845602"/>
+            <a:ext cx="213359" cy="261484"/>
+          </a:xfrm>
+          <a:prstGeom prst="downArrow">
+            <a:avLst/>
+          </a:prstGeom>
+        </p:spPr>
+        <p:style>
+          <a:lnRef idx="2">
+            <a:schemeClr val="accent1">
+              <a:shade val="50000"/>
+            </a:schemeClr>
+          </a:lnRef>
+          <a:fillRef idx="1">
+            <a:schemeClr val="accent1"/>
+          </a:fillRef>
+          <a:effectRef idx="0">
+            <a:schemeClr val="accent1"/>
+          </a:effectRef>
+          <a:fontRef idx="minor">
+            <a:schemeClr val="lt1"/>
+          </a:fontRef>
+        </p:style>
+        <p:txBody>
+          <a:bodyPr rtlCol="0" anchor="ctr"/>
+          <a:lstStyle/>
+          <a:p>
+            <a:pPr algn="ctr"/>
+            <a:endParaRPr lang="tr-TR"/>
+          </a:p>
+        </p:txBody>
+      </p:sp>
+    </p:spTree>
+    <p:extLst>
+      <p:ext uri="{BB962C8B-B14F-4D97-AF65-F5344CB8AC3E}">
+        <p14:creationId xmlns:p14="http://schemas.microsoft.com/office/powerpoint/2010/main" val="3988765087"/>
+      </p:ext>
+    </p:extLst>
+  </p:cSld>
+  <p:clrMapOvr>
+    <a:masterClrMapping/>
+  </p:clrMapOvr>
+</p:sld>
+</file>
+
 <file path=ppt/slides/slide2.xml><?xml version="1.0" encoding="utf-8"?>
 <p:sld xmlns:a="http://schemas.openxmlformats.org/drawingml/2006/main" xmlns:r="http://schemas.openxmlformats.org/officeDocument/2006/relationships" xmlns:p="http://schemas.openxmlformats.org/presentationml/2006/main">
   <p:cSld>
@@ -13976,11 +15378,7 @@
           <a:p>
             <a:r>
               <a:rPr lang="tr-TR" dirty="0" smtClean="0"/>
-              <a:t>Cross-Cutting </a:t>
-            </a:r>
-            <a:r>
-              <a:rPr lang="tr-TR" dirty="0" smtClean="0"/>
-              <a:t>Concerns</a:t>
+              <a:t>Cross-Cutting Concerns</a:t>
             </a:r>
             <a:endParaRPr lang="tr-TR" dirty="0"/>
           </a:p>
@@ -14835,15 +16233,7 @@
                   <a:srgbClr val="B31166"/>
                 </a:solidFill>
               </a:rPr>
-              <a:t>Cross-Cutting </a:t>
-            </a:r>
-            <a:r>
-              <a:rPr lang="tr-TR" dirty="0" smtClean="0">
-                <a:solidFill>
-                  <a:srgbClr val="B31166"/>
-                </a:solidFill>
-              </a:rPr>
-              <a:t>Concerns</a:t>
+              <a:t>Cross-Cutting Concerns</a:t>
             </a:r>
             <a:endParaRPr lang="tr-TR" dirty="0">
               <a:solidFill>
@@ -14891,15 +16281,7 @@
             <a:pPr algn="ctr"/>
             <a:r>
               <a:rPr lang="tr-TR" dirty="0" smtClean="0"/>
-              <a:t>Category</a:t>
-            </a:r>
-            <a:r>
-              <a:rPr lang="tr-TR" dirty="0" smtClean="0"/>
-              <a:t> </a:t>
-            </a:r>
-            <a:r>
-              <a:rPr lang="tr-TR" dirty="0" smtClean="0"/>
-              <a:t>Service</a:t>
+              <a:t>Category Service</a:t>
             </a:r>
           </a:p>
         </p:txBody>
@@ -14942,15 +16324,7 @@
             <a:pPr algn="ctr"/>
             <a:r>
               <a:rPr lang="tr-TR" dirty="0" smtClean="0"/>
-              <a:t>Customer</a:t>
-            </a:r>
-            <a:r>
-              <a:rPr lang="tr-TR" dirty="0" smtClean="0"/>
-              <a:t> </a:t>
-            </a:r>
-            <a:r>
-              <a:rPr lang="tr-TR" dirty="0" smtClean="0"/>
-              <a:t>Service</a:t>
+              <a:t>Customer Service</a:t>
             </a:r>
           </a:p>
         </p:txBody>
@@ -18036,16 +19410,7 @@
                 </a:solidFill>
                 <a:latin typeface="Consolas" panose="020B0609020204030204" pitchFamily="49" charset="0"/>
               </a:rPr>
-              <a:t>userRepository</a:t>
-            </a:r>
-            <a:r>
-              <a:rPr lang="tr-TR" sz="1000" dirty="0" smtClean="0">
-                <a:solidFill>
-                  <a:srgbClr val="000000"/>
-                </a:solidFill>
-                <a:latin typeface="Consolas" panose="020B0609020204030204" pitchFamily="49" charset="0"/>
-              </a:rPr>
-              <a:t>,</a:t>
+              <a:t>userRepository,</a:t>
             </a:r>
           </a:p>
           <a:p>
